--- a/MaJicK Migration.pptx
+++ b/MaJicK Migration.pptx
@@ -8344,13 +8344,13 @@
           <a:p>
             <a:r>
               <a:rPr lang="en-US" dirty="0"/>
-              <a:t>Investigate the change in pattern</a:t>
+              <a:t>Investigate the change in migrating pattern</a:t>
             </a:r>
           </a:p>
           <a:p>
             <a:r>
               <a:rPr lang="en-US" dirty="0"/>
-              <a:t>Link trend with environmental factors </a:t>
+              <a:t>Influence of environmental factors on migrating pattern</a:t>
             </a:r>
           </a:p>
         </p:txBody>

--- a/MaJicK Migration.pptx
+++ b/MaJicK Migration.pptx
@@ -7121,86 +7121,41 @@
           </a:p>
         </p:txBody>
       </p:sp>
-      <p:sp>
-        <p:nvSpPr>
-          <p:cNvPr id="8" name="Content Placeholder 7">
+      <p:pic>
+        <p:nvPicPr>
+          <p:cNvPr id="5" name="Content Placeholder 4" descr="A picture containing light, tree, traffic&#10;&#10;Description automatically generated">
             <a:extLst>
               <a:ext uri="{FF2B5EF4-FFF2-40B4-BE49-F238E27FC236}">
-                <a16:creationId xmlns:a16="http://schemas.microsoft.com/office/drawing/2014/main" id="{DF22A40A-C311-4A2D-A308-8C7AD6B3C279}"/>
+                <a16:creationId xmlns:a16="http://schemas.microsoft.com/office/drawing/2014/main" id="{2AB81D99-D0AE-46FC-A4BA-C58A6FD4109F}"/>
               </a:ext>
             </a:extLst>
           </p:cNvPr>
-          <p:cNvSpPr>
-            <a:spLocks noGrp="1"/>
-          </p:cNvSpPr>
+          <p:cNvPicPr>
+            <a:picLocks noGrp="1" noChangeAspect="1"/>
+          </p:cNvPicPr>
           <p:nvPr>
             <p:ph sz="half" idx="2"/>
           </p:nvPr>
-        </p:nvSpPr>
+        </p:nvPicPr>
+        <p:blipFill>
+          <a:blip r:embed="rId2">
+            <a:extLst>
+              <a:ext uri="{28A0092B-C50C-407E-A947-70E740481C1C}">
+                <a14:useLocalDpi xmlns:a14="http://schemas.microsoft.com/office/drawing/2010/main" val="0"/>
+              </a:ext>
+            </a:extLst>
+          </a:blip>
+          <a:stretch>
+            <a:fillRect/>
+          </a:stretch>
+        </p:blipFill>
         <p:spPr>
           <a:xfrm>
-            <a:off x="685800" y="3132666"/>
-            <a:ext cx="5311775" cy="3086019"/>
+            <a:off x="5034147" y="2341450"/>
+            <a:ext cx="6825943" cy="3754549"/>
           </a:xfrm>
         </p:spPr>
-        <p:txBody>
-          <a:bodyPr/>
-          <a:lstStyle/>
-          <a:p>
-            <a:endParaRPr lang="en-US" dirty="0"/>
-          </a:p>
-        </p:txBody>
-      </p:sp>
-      <p:sp>
-        <p:nvSpPr>
-          <p:cNvPr id="9" name="Text Placeholder 8">
-            <a:extLst>
-              <a:ext uri="{FF2B5EF4-FFF2-40B4-BE49-F238E27FC236}">
-                <a16:creationId xmlns:a16="http://schemas.microsoft.com/office/drawing/2014/main" id="{837B58F8-790A-4252-A2FC-1F567A878181}"/>
-              </a:ext>
-            </a:extLst>
-          </p:cNvPr>
-          <p:cNvSpPr>
-            <a:spLocks noGrp="1"/>
-          </p:cNvSpPr>
-          <p:nvPr>
-            <p:ph type="body" sz="quarter" idx="3"/>
-          </p:nvPr>
-        </p:nvSpPr>
-        <p:spPr/>
-        <p:txBody>
-          <a:bodyPr/>
-          <a:lstStyle/>
-          <a:p>
-            <a:endParaRPr lang="en-US"/>
-          </a:p>
-        </p:txBody>
-      </p:sp>
-      <p:sp>
-        <p:nvSpPr>
-          <p:cNvPr id="10" name="Content Placeholder 9">
-            <a:extLst>
-              <a:ext uri="{FF2B5EF4-FFF2-40B4-BE49-F238E27FC236}">
-                <a16:creationId xmlns:a16="http://schemas.microsoft.com/office/drawing/2014/main" id="{8C0480EE-8712-4AC6-BA14-45FC7BC09B81}"/>
-              </a:ext>
-            </a:extLst>
-          </p:cNvPr>
-          <p:cNvSpPr>
-            <a:spLocks noGrp="1"/>
-          </p:cNvSpPr>
-          <p:nvPr>
-            <p:ph sz="quarter" idx="4"/>
-          </p:nvPr>
-        </p:nvSpPr>
-        <p:spPr/>
-        <p:txBody>
-          <a:bodyPr/>
-          <a:lstStyle/>
-          <a:p>
-            <a:endParaRPr lang="en-US"/>
-          </a:p>
-        </p:txBody>
-      </p:sp>
+      </p:pic>
       <p:sp>
         <p:nvSpPr>
           <p:cNvPr id="4" name="Footer Placeholder 3">
@@ -7513,7 +7468,7 @@
           <p:nvPr/>
         </p:nvPicPr>
         <p:blipFill>
-          <a:blip r:embed="rId2">
+          <a:blip r:embed="rId3">
             <a:extLst>
               <a:ext uri="{28A0092B-C50C-407E-A947-70E740481C1C}">
                 <a14:useLocalDpi xmlns:a14="http://schemas.microsoft.com/office/drawing/2010/main" val="0"/>
@@ -7528,36 +7483,6 @@
           <a:xfrm>
             <a:off x="3798125" y="477949"/>
             <a:ext cx="2472047" cy="1648031"/>
-          </a:xfrm>
-          <a:prstGeom prst="rect">
-            <a:avLst/>
-          </a:prstGeom>
-        </p:spPr>
-      </p:pic>
-      <p:pic>
-        <p:nvPicPr>
-          <p:cNvPr id="7" name="Picture 6">
-            <a:extLst>
-              <a:ext uri="{FF2B5EF4-FFF2-40B4-BE49-F238E27FC236}">
-                <a16:creationId xmlns:a16="http://schemas.microsoft.com/office/drawing/2014/main" id="{C13551CC-8643-4A25-95ED-8C4CE52DA014}"/>
-              </a:ext>
-            </a:extLst>
-          </p:cNvPr>
-          <p:cNvPicPr>
-            <a:picLocks noChangeAspect="1"/>
-          </p:cNvPicPr>
-          <p:nvPr/>
-        </p:nvPicPr>
-        <p:blipFill>
-          <a:blip r:embed="rId3"/>
-          <a:stretch>
-            <a:fillRect/>
-          </a:stretch>
-        </p:blipFill>
-        <p:spPr>
-          <a:xfrm>
-            <a:off x="5530397" y="2250933"/>
-            <a:ext cx="6269717" cy="3967752"/>
           </a:xfrm>
           <a:prstGeom prst="rect">
             <a:avLst/>
@@ -11125,8 +11050,8 @@
         </p:blipFill>
         <p:spPr>
           <a:xfrm>
-            <a:off x="5428343" y="2327251"/>
-            <a:ext cx="6502399" cy="3891433"/>
+            <a:off x="4734751" y="2129136"/>
+            <a:ext cx="6833441" cy="4089549"/>
           </a:xfrm>
           <a:prstGeom prst="rect">
             <a:avLst/>
